--- a/Submissions/jtchernak@comcast.net/Sports Info Solutions Analytics Challenge.pptx
+++ b/Submissions/jtchernak@comcast.net/Sports Info Solutions Analytics Challenge.pptx
@@ -22,7 +22,8 @@
     <p:sldId id="282" r:id="rId16"/>
     <p:sldId id="283" r:id="rId17"/>
     <p:sldId id="279" r:id="rId18"/>
-    <p:sldId id="281" r:id="rId19"/>
+    <p:sldId id="284" r:id="rId19"/>
+    <p:sldId id="281" r:id="rId20"/>
   </p:sldIdLst>
   <p:sldSz cx="12192000" cy="6858000"/>
   <p:notesSz cx="6858000" cy="9144000"/>
@@ -355,7 +356,7 @@
           <a:p>
             <a:fld id="{46AEC1D7-378D-4BB8-8131-26B17AFCD208}" type="datetimeFigureOut">
               <a:rPr lang="en-US" smtClean="0"/>
-              <a:t>7/21/2021</a:t>
+              <a:t>8/2/2021</a:t>
             </a:fld>
             <a:endParaRPr lang="en-US"/>
           </a:p>
@@ -563,7 +564,7 @@
           <a:p>
             <a:fld id="{46AEC1D7-378D-4BB8-8131-26B17AFCD208}" type="datetimeFigureOut">
               <a:rPr lang="en-US" smtClean="0"/>
-              <a:t>7/21/2021</a:t>
+              <a:t>8/2/2021</a:t>
             </a:fld>
             <a:endParaRPr lang="en-US"/>
           </a:p>
@@ -819,7 +820,7 @@
           <a:p>
             <a:fld id="{46AEC1D7-378D-4BB8-8131-26B17AFCD208}" type="datetimeFigureOut">
               <a:rPr lang="en-US" smtClean="0"/>
-              <a:t>7/21/2021</a:t>
+              <a:t>8/2/2021</a:t>
             </a:fld>
             <a:endParaRPr lang="en-US"/>
           </a:p>
@@ -993,7 +994,7 @@
           <a:p>
             <a:fld id="{46AEC1D7-378D-4BB8-8131-26B17AFCD208}" type="datetimeFigureOut">
               <a:rPr lang="en-US" smtClean="0"/>
-              <a:t>7/21/2021</a:t>
+              <a:t>8/2/2021</a:t>
             </a:fld>
             <a:endParaRPr lang="en-US"/>
           </a:p>
@@ -1328,7 +1329,7 @@
           <a:p>
             <a:fld id="{46AEC1D7-378D-4BB8-8131-26B17AFCD208}" type="datetimeFigureOut">
               <a:rPr lang="en-US" smtClean="0"/>
-              <a:t>7/21/2021</a:t>
+              <a:t>8/2/2021</a:t>
             </a:fld>
             <a:endParaRPr lang="en-US"/>
           </a:p>
@@ -1603,7 +1604,7 @@
           <a:p>
             <a:fld id="{46AEC1D7-378D-4BB8-8131-26B17AFCD208}" type="datetimeFigureOut">
               <a:rPr lang="en-US" smtClean="0"/>
-              <a:t>7/21/2021</a:t>
+              <a:t>8/2/2021</a:t>
             </a:fld>
             <a:endParaRPr lang="en-US"/>
           </a:p>
@@ -1982,7 +1983,7 @@
           <a:p>
             <a:fld id="{46AEC1D7-378D-4BB8-8131-26B17AFCD208}" type="datetimeFigureOut">
               <a:rPr lang="en-US" smtClean="0"/>
-              <a:t>7/21/2021</a:t>
+              <a:t>8/2/2021</a:t>
             </a:fld>
             <a:endParaRPr lang="en-US"/>
           </a:p>
@@ -2100,7 +2101,7 @@
           <a:p>
             <a:fld id="{46AEC1D7-378D-4BB8-8131-26B17AFCD208}" type="datetimeFigureOut">
               <a:rPr lang="en-US" smtClean="0"/>
-              <a:t>7/21/2021</a:t>
+              <a:t>8/2/2021</a:t>
             </a:fld>
             <a:endParaRPr lang="en-US"/>
           </a:p>
@@ -2271,7 +2272,7 @@
           <a:p>
             <a:fld id="{46AEC1D7-378D-4BB8-8131-26B17AFCD208}" type="datetimeFigureOut">
               <a:rPr lang="en-US" smtClean="0"/>
-              <a:t>7/21/2021</a:t>
+              <a:t>8/2/2021</a:t>
             </a:fld>
             <a:endParaRPr lang="en-US"/>
           </a:p>
@@ -2625,7 +2626,7 @@
           <a:p>
             <a:fld id="{46AEC1D7-378D-4BB8-8131-26B17AFCD208}" type="datetimeFigureOut">
               <a:rPr lang="en-US" smtClean="0"/>
-              <a:t>7/21/2021</a:t>
+              <a:t>8/2/2021</a:t>
             </a:fld>
             <a:endParaRPr lang="en-US"/>
           </a:p>
@@ -3007,7 +3008,7 @@
           <a:p>
             <a:fld id="{46AEC1D7-378D-4BB8-8131-26B17AFCD208}" type="datetimeFigureOut">
               <a:rPr lang="en-US" smtClean="0"/>
-              <a:t>7/21/2021</a:t>
+              <a:t>8/2/2021</a:t>
             </a:fld>
             <a:endParaRPr lang="en-US"/>
           </a:p>
@@ -3294,7 +3295,7 @@
           <a:p>
             <a:fld id="{46AEC1D7-378D-4BB8-8131-26B17AFCD208}" type="datetimeFigureOut">
               <a:rPr lang="en-US" smtClean="0"/>
-              <a:t>7/21/2021</a:t>
+              <a:t>8/2/2021</a:t>
             </a:fld>
             <a:endParaRPr lang="en-US"/>
           </a:p>
@@ -3983,7 +3984,7 @@
                 <a:latin typeface="Times New Roman" panose="02020603050405020304" pitchFamily="18" charset="0"/>
                 <a:cs typeface="Times New Roman" panose="02020603050405020304" pitchFamily="18" charset="0"/>
               </a:rPr>
-              <a:t>With our EB estimates in hand, I used a mixed effect GAM to estimate the individual probability of completion for each route combo. I fit the following model which uses a smoothing spline on throw depth and accounts for situation factors that effect completion percentage. </a:t>
+              <a:t>With our EB estimates in hand, I used a mixed effect GAM to estimate the individual probability of completion for each route combo. I fit the following model which uses a smoothing spline on throw depth and accounts for situational factors that influences completion percentage. </a:t>
             </a:r>
           </a:p>
           <a:p>
@@ -4533,7 +4534,7 @@
                 <a:latin typeface="Times New Roman" panose="02020603050405020304" pitchFamily="18" charset="0"/>
                 <a:cs typeface="Times New Roman" panose="02020603050405020304" pitchFamily="18" charset="0"/>
               </a:rPr>
-              <a:t>How the Popular “Curl – Flat” Fairs Against Different Coverages</a:t>
+              <a:t>How the Popular “Curl – Flat” Fares Against Different Coverages</a:t>
             </a:r>
           </a:p>
         </p:txBody>
@@ -5915,13 +5916,8 @@
           <a:p>
             <a:r>
               <a:rPr lang="en-US" dirty="0"/>
-              <a:t>This implies play calling improvements could possibly </a:t>
-            </a:r>
-            <a:r>
-              <a:rPr lang="en-US"/>
-              <a:t>be made.</a:t>
-            </a:r>
-            <a:endParaRPr lang="en-US" dirty="0"/>
+              <a:t>This implies play calling improvements could possibly be made.</a:t>
+            </a:r>
           </a:p>
         </p:txBody>
       </p:sp>
@@ -6186,13 +6182,13 @@
         </p:nvSpPr>
         <p:spPr>
           <a:xfrm>
-            <a:off x="8330268" y="634946"/>
-            <a:ext cx="3219474" cy="1450757"/>
+            <a:off x="5301842" y="634946"/>
+            <a:ext cx="6247900" cy="1450757"/>
           </a:xfrm>
         </p:spPr>
         <p:txBody>
           <a:bodyPr>
-            <a:normAutofit fontScale="90000"/>
+            <a:normAutofit/>
           </a:bodyPr>
           <a:lstStyle/>
           <a:p>
@@ -6203,42 +6199,6 @@
           </a:p>
         </p:txBody>
       </p:sp>
-      <p:pic>
-        <p:nvPicPr>
-          <p:cNvPr id="14" name="Picture 13" descr="Chart, table, treemap chart&#10;&#10;Description automatically generated">
-            <a:extLst>
-              <a:ext uri="{FF2B5EF4-FFF2-40B4-BE49-F238E27FC236}">
-                <a16:creationId xmlns:a16="http://schemas.microsoft.com/office/drawing/2014/main" id="{47879954-6AA9-464E-AE92-7F602FB55FAF}"/>
-              </a:ext>
-            </a:extLst>
-          </p:cNvPr>
-          <p:cNvPicPr>
-            <a:picLocks noChangeAspect="1"/>
-          </p:cNvPicPr>
-          <p:nvPr/>
-        </p:nvPicPr>
-        <p:blipFill>
-          <a:blip r:embed="rId2">
-            <a:extLst>
-              <a:ext uri="{28A0092B-C50C-407E-A947-70E740481C1C}">
-                <a14:useLocalDpi xmlns:a14="http://schemas.microsoft.com/office/drawing/2010/main" val="0"/>
-              </a:ext>
-            </a:extLst>
-          </a:blip>
-          <a:stretch>
-            <a:fillRect/>
-          </a:stretch>
-        </p:blipFill>
-        <p:spPr>
-          <a:xfrm>
-            <a:off x="199751" y="148089"/>
-            <a:ext cx="4245197" cy="6152462"/>
-          </a:xfrm>
-          <a:prstGeom prst="rect">
-            <a:avLst/>
-          </a:prstGeom>
-        </p:spPr>
-      </p:pic>
       <p:cxnSp>
         <p:nvCxnSpPr>
           <p:cNvPr id="21" name="Straight Connector 20">
@@ -6297,7 +6257,7 @@
       </p:cxnSp>
       <p:pic>
         <p:nvPicPr>
-          <p:cNvPr id="10" name="Picture 9" descr="Chart, table, treemap chart&#10;&#10;Description automatically generated">
+          <p:cNvPr id="10" name="Picture 9">
             <a:extLst>
               <a:ext uri="{FF2B5EF4-FFF2-40B4-BE49-F238E27FC236}">
                 <a16:creationId xmlns:a16="http://schemas.microsoft.com/office/drawing/2014/main" id="{5A5693C9-F3FD-46AC-926F-BA5861A00E29}"/>
@@ -6310,21 +6270,20 @@
           <p:nvPr/>
         </p:nvPicPr>
         <p:blipFill>
-          <a:blip r:embed="rId3">
+          <a:blip r:embed="rId2">
             <a:extLst>
               <a:ext uri="{28A0092B-C50C-407E-A947-70E740481C1C}">
                 <a14:useLocalDpi xmlns:a14="http://schemas.microsoft.com/office/drawing/2010/main" val="0"/>
               </a:ext>
             </a:extLst>
           </a:blip>
-          <a:stretch>
-            <a:fillRect/>
-          </a:stretch>
+          <a:srcRect/>
+          <a:stretch/>
         </p:blipFill>
         <p:spPr>
           <a:xfrm>
-            <a:off x="4561070" y="95365"/>
-            <a:ext cx="3536955" cy="6205186"/>
+            <a:off x="1262138" y="64565"/>
+            <a:ext cx="3222875" cy="6205186"/>
           </a:xfrm>
           <a:prstGeom prst="rect">
             <a:avLst/>
@@ -6349,19 +6308,19 @@
         </p:nvSpPr>
         <p:spPr>
           <a:xfrm>
-            <a:off x="8430936" y="2198914"/>
-            <a:ext cx="3118806" cy="3670180"/>
+            <a:off x="5181247" y="2198914"/>
+            <a:ext cx="6368495" cy="3670180"/>
           </a:xfrm>
         </p:spPr>
         <p:txBody>
           <a:bodyPr>
-            <a:normAutofit fontScale="92500" lnSpcReduction="20000"/>
+            <a:normAutofit/>
           </a:bodyPr>
           <a:lstStyle/>
           <a:p>
             <a:r>
               <a:rPr lang="en-US" dirty="0"/>
-              <a:t>We can observe the best route combos against each coverage by looking at the mixed model estimates of completion percentage and EPA in table form. </a:t>
+              <a:t>We can observe the best route combos against the most popular coverages (C1, C2, C3, &amp; C4) by looking at the mixed model estimates of completion percentage and EPA in table form. (Combos ranked by normalized EPA + normalized CP in order)</a:t>
             </a:r>
           </a:p>
           <a:p>
@@ -6370,11 +6329,8 @@
           <a:p>
             <a:r>
               <a:rPr lang="en-US" dirty="0"/>
-              <a:t>Against Cover 3, the “Go – Seam” is the best route combo according to its estimated EPA and Completion Percentage. For certain coverages, the attempts threshold is lowered to 5 or 1 because of a lack of qualifying route combos.</a:t>
-            </a:r>
-          </a:p>
-          <a:p>
-            <a:endParaRPr lang="en-US" dirty="0"/>
+              <a:t>Against Cover 3, the “Go – Seam” is the best route combo according to its estimated EPA and Completion Percentage. </a:t>
+            </a:r>
           </a:p>
         </p:txBody>
       </p:sp>
@@ -6502,6 +6458,378 @@
 </file>
 
 <file path=ppt/slides/slide18.xml><?xml version="1.0" encoding="utf-8"?>
+<p:sld xmlns:a="http://schemas.openxmlformats.org/drawingml/2006/main" xmlns:r="http://schemas.openxmlformats.org/officeDocument/2006/relationships" xmlns:p="http://schemas.openxmlformats.org/presentationml/2006/main">
+  <p:cSld>
+    <p:bg>
+      <p:bgPr>
+        <a:solidFill>
+          <a:schemeClr val="bg1"/>
+        </a:solidFill>
+        <a:effectLst/>
+      </p:bgPr>
+    </p:bg>
+    <p:spTree>
+      <p:nvGrpSpPr>
+        <p:cNvPr id="1" name=""/>
+        <p:cNvGrpSpPr/>
+        <p:nvPr/>
+      </p:nvGrpSpPr>
+      <p:grpSpPr>
+        <a:xfrm>
+          <a:off x="0" y="0"/>
+          <a:ext cx="0" cy="0"/>
+          <a:chOff x="0" y="0"/>
+          <a:chExt cx="0" cy="0"/>
+        </a:xfrm>
+      </p:grpSpPr>
+      <p:sp useBgFill="1">
+        <p:nvSpPr>
+          <p:cNvPr id="19" name="Rectangle 18">
+            <a:extLst>
+              <a:ext uri="{FF2B5EF4-FFF2-40B4-BE49-F238E27FC236}">
+                <a16:creationId xmlns:a16="http://schemas.microsoft.com/office/drawing/2014/main" id="{E5958DBC-F4DA-42A8-8C52-860179790ECD}"/>
+              </a:ext>
+              <a:ext uri="{C183D7F6-B498-43B3-948B-1728B52AA6E4}">
+                <adec:decorative xmlns:adec="http://schemas.microsoft.com/office/drawing/2017/decorative" val="1"/>
+              </a:ext>
+            </a:extLst>
+          </p:cNvPr>
+          <p:cNvSpPr>
+            <a:spLocks noGrp="1" noRot="1" noChangeAspect="1" noMove="1" noResize="1" noEditPoints="1" noAdjustHandles="1" noChangeArrowheads="1" noChangeShapeType="1" noTextEdit="1"/>
+          </p:cNvSpPr>
+          <p:nvPr>
+            <p:extLst>
+              <p:ext uri="{386F3935-93C4-4BCD-93E2-E3B085C9AB24}">
+                <p16:designElem xmlns:p16="http://schemas.microsoft.com/office/powerpoint/2015/main" val="1"/>
+              </p:ext>
+            </p:extLst>
+          </p:nvPr>
+        </p:nvSpPr>
+        <p:spPr>
+          <a:xfrm>
+            <a:off x="0" y="0"/>
+            <a:ext cx="12192001" cy="6334316"/>
+          </a:xfrm>
+          <a:prstGeom prst="rect">
+            <a:avLst/>
+          </a:prstGeom>
+          <a:ln>
+            <a:noFill/>
+          </a:ln>
+        </p:spPr>
+        <p:style>
+          <a:lnRef idx="2">
+            <a:schemeClr val="accent1">
+              <a:shade val="50000"/>
+            </a:schemeClr>
+          </a:lnRef>
+          <a:fillRef idx="1">
+            <a:schemeClr val="accent1"/>
+          </a:fillRef>
+          <a:effectRef idx="0">
+            <a:schemeClr val="accent1"/>
+          </a:effectRef>
+          <a:fontRef idx="minor">
+            <a:schemeClr val="lt1"/>
+          </a:fontRef>
+        </p:style>
+        <p:txBody>
+          <a:bodyPr rtlCol="0" anchor="ctr"/>
+          <a:lstStyle/>
+          <a:p>
+            <a:pPr algn="ctr"/>
+            <a:endParaRPr lang="en-US"/>
+          </a:p>
+        </p:txBody>
+      </p:sp>
+      <p:sp>
+        <p:nvSpPr>
+          <p:cNvPr id="2" name="Title 1">
+            <a:extLst>
+              <a:ext uri="{FF2B5EF4-FFF2-40B4-BE49-F238E27FC236}">
+                <a16:creationId xmlns:a16="http://schemas.microsoft.com/office/drawing/2014/main" id="{1F17D9C8-699D-4264-BA7C-935C365FA725}"/>
+              </a:ext>
+            </a:extLst>
+          </p:cNvPr>
+          <p:cNvSpPr>
+            <a:spLocks noGrp="1"/>
+          </p:cNvSpPr>
+          <p:nvPr>
+            <p:ph type="title"/>
+          </p:nvPr>
+        </p:nvSpPr>
+        <p:spPr>
+          <a:xfrm>
+            <a:off x="5181247" y="634946"/>
+            <a:ext cx="6685975" cy="1450757"/>
+          </a:xfrm>
+        </p:spPr>
+        <p:txBody>
+          <a:bodyPr>
+            <a:normAutofit/>
+          </a:bodyPr>
+          <a:lstStyle/>
+          <a:p>
+            <a:r>
+              <a:rPr lang="en-US" dirty="0"/>
+              <a:t>Our Best Route Combos Continued</a:t>
+            </a:r>
+          </a:p>
+        </p:txBody>
+      </p:sp>
+      <p:pic>
+        <p:nvPicPr>
+          <p:cNvPr id="14" name="Picture 13">
+            <a:extLst>
+              <a:ext uri="{FF2B5EF4-FFF2-40B4-BE49-F238E27FC236}">
+                <a16:creationId xmlns:a16="http://schemas.microsoft.com/office/drawing/2014/main" id="{47879954-6AA9-464E-AE92-7F602FB55FAF}"/>
+              </a:ext>
+            </a:extLst>
+          </p:cNvPr>
+          <p:cNvPicPr>
+            <a:picLocks noChangeAspect="1"/>
+          </p:cNvPicPr>
+          <p:nvPr/>
+        </p:nvPicPr>
+        <p:blipFill>
+          <a:blip r:embed="rId2">
+            <a:extLst>
+              <a:ext uri="{28A0092B-C50C-407E-A947-70E740481C1C}">
+                <a14:useLocalDpi xmlns:a14="http://schemas.microsoft.com/office/drawing/2010/main" val="0"/>
+              </a:ext>
+            </a:extLst>
+          </a:blip>
+          <a:srcRect/>
+          <a:stretch/>
+        </p:blipFill>
+        <p:spPr>
+          <a:xfrm>
+            <a:off x="1278972" y="1"/>
+            <a:ext cx="2814856" cy="6258186"/>
+          </a:xfrm>
+          <a:prstGeom prst="rect">
+            <a:avLst/>
+          </a:prstGeom>
+        </p:spPr>
+      </p:pic>
+      <p:cxnSp>
+        <p:nvCxnSpPr>
+          <p:cNvPr id="21" name="Straight Connector 20">
+            <a:extLst>
+              <a:ext uri="{FF2B5EF4-FFF2-40B4-BE49-F238E27FC236}">
+                <a16:creationId xmlns:a16="http://schemas.microsoft.com/office/drawing/2014/main" id="{79FCC9A9-2031-4283-9B27-34B62BB7F305}"/>
+              </a:ext>
+              <a:ext uri="{C183D7F6-B498-43B3-948B-1728B52AA6E4}">
+                <adec:decorative xmlns:adec="http://schemas.microsoft.com/office/drawing/2017/decorative" val="1"/>
+              </a:ext>
+            </a:extLst>
+          </p:cNvPr>
+          <p:cNvCxnSpPr>
+            <a:cxnSpLocks noGrp="1" noRot="1" noChangeAspect="1" noMove="1" noResize="1" noEditPoints="1" noAdjustHandles="1" noChangeArrowheads="1" noChangeShapeType="1"/>
+          </p:cNvCxnSpPr>
+          <p:nvPr>
+            <p:extLst>
+              <p:ext uri="{386F3935-93C4-4BCD-93E2-E3B085C9AB24}">
+                <p16:designElem xmlns:p16="http://schemas.microsoft.com/office/powerpoint/2015/main" val="1"/>
+              </p:ext>
+            </p:extLst>
+          </p:nvPr>
+        </p:nvCxnSpPr>
+        <p:spPr>
+          <a:xfrm>
+            <a:off x="5181247" y="2086188"/>
+            <a:ext cx="5852160" cy="0"/>
+          </a:xfrm>
+          <a:prstGeom prst="line">
+            <a:avLst/>
+          </a:prstGeom>
+          <a:ln w="6350">
+            <a:solidFill>
+              <a:schemeClr val="tx1">
+                <a:lumMod val="50000"/>
+                <a:lumOff val="50000"/>
+                <a:alpha val="90000"/>
+              </a:schemeClr>
+            </a:solidFill>
+          </a:ln>
+        </p:spPr>
+        <p:style>
+          <a:lnRef idx="1">
+            <a:schemeClr val="accent1"/>
+          </a:lnRef>
+          <a:fillRef idx="0">
+            <a:schemeClr val="accent1"/>
+          </a:fillRef>
+          <a:effectRef idx="0">
+            <a:schemeClr val="accent1"/>
+          </a:effectRef>
+          <a:fontRef idx="minor">
+            <a:schemeClr val="tx1"/>
+          </a:fontRef>
+        </p:style>
+      </p:cxnSp>
+      <p:sp>
+        <p:nvSpPr>
+          <p:cNvPr id="3" name="Content Placeholder 2">
+            <a:extLst>
+              <a:ext uri="{FF2B5EF4-FFF2-40B4-BE49-F238E27FC236}">
+                <a16:creationId xmlns:a16="http://schemas.microsoft.com/office/drawing/2014/main" id="{2983030E-9F91-4D86-B1AB-8C6AC9D2A123}"/>
+              </a:ext>
+            </a:extLst>
+          </p:cNvPr>
+          <p:cNvSpPr>
+            <a:spLocks noGrp="1"/>
+          </p:cNvSpPr>
+          <p:nvPr>
+            <p:ph idx="1"/>
+          </p:nvPr>
+        </p:nvSpPr>
+        <p:spPr>
+          <a:xfrm>
+            <a:off x="5181247" y="2214698"/>
+            <a:ext cx="6368495" cy="3654395"/>
+          </a:xfrm>
+        </p:spPr>
+        <p:txBody>
+          <a:bodyPr>
+            <a:normAutofit/>
+          </a:bodyPr>
+          <a:lstStyle/>
+          <a:p>
+            <a:r>
+              <a:rPr lang="en-US" dirty="0"/>
+              <a:t>For less common coverages, the attempts threshold is lowered to 5 or 1 because of a lack of qualifying route combos.</a:t>
+            </a:r>
+          </a:p>
+          <a:p>
+            <a:endParaRPr lang="en-US" dirty="0"/>
+          </a:p>
+        </p:txBody>
+      </p:sp>
+      <p:sp>
+        <p:nvSpPr>
+          <p:cNvPr id="23" name="Rectangle 22">
+            <a:extLst>
+              <a:ext uri="{FF2B5EF4-FFF2-40B4-BE49-F238E27FC236}">
+                <a16:creationId xmlns:a16="http://schemas.microsoft.com/office/drawing/2014/main" id="{51DDD252-D7C8-4CE5-9C61-D60D722BC217}"/>
+              </a:ext>
+              <a:ext uri="{C183D7F6-B498-43B3-948B-1728B52AA6E4}">
+                <adec:decorative xmlns:adec="http://schemas.microsoft.com/office/drawing/2017/decorative" val="1"/>
+              </a:ext>
+            </a:extLst>
+          </p:cNvPr>
+          <p:cNvSpPr>
+            <a:spLocks noGrp="1" noRot="1" noChangeAspect="1" noMove="1" noResize="1" noEditPoints="1" noAdjustHandles="1" noChangeArrowheads="1" noChangeShapeType="1" noTextEdit="1"/>
+          </p:cNvSpPr>
+          <p:nvPr>
+            <p:extLst>
+              <p:ext uri="{386F3935-93C4-4BCD-93E2-E3B085C9AB24}">
+                <p16:designElem xmlns:p16="http://schemas.microsoft.com/office/powerpoint/2015/main" val="1"/>
+              </p:ext>
+            </p:extLst>
+          </p:nvPr>
+        </p:nvSpPr>
+        <p:spPr>
+          <a:xfrm>
+            <a:off x="15" y="6334316"/>
+            <a:ext cx="12191985" cy="66484"/>
+          </a:xfrm>
+          <a:prstGeom prst="rect">
+            <a:avLst/>
+          </a:prstGeom>
+          <a:solidFill>
+            <a:schemeClr val="accent1"/>
+          </a:solidFill>
+          <a:ln>
+            <a:noFill/>
+          </a:ln>
+        </p:spPr>
+        <p:style>
+          <a:lnRef idx="2">
+            <a:schemeClr val="accent1">
+              <a:shade val="50000"/>
+            </a:schemeClr>
+          </a:lnRef>
+          <a:fillRef idx="1">
+            <a:schemeClr val="accent1"/>
+          </a:fillRef>
+          <a:effectRef idx="0">
+            <a:schemeClr val="accent1"/>
+          </a:effectRef>
+          <a:fontRef idx="minor">
+            <a:schemeClr val="lt1"/>
+          </a:fontRef>
+        </p:style>
+      </p:sp>
+      <p:sp>
+        <p:nvSpPr>
+          <p:cNvPr id="25" name="Rectangle 24">
+            <a:extLst>
+              <a:ext uri="{FF2B5EF4-FFF2-40B4-BE49-F238E27FC236}">
+                <a16:creationId xmlns:a16="http://schemas.microsoft.com/office/drawing/2014/main" id="{2FBD75F5-C49C-4F6A-8D43-7A5939C23307}"/>
+              </a:ext>
+              <a:ext uri="{C183D7F6-B498-43B3-948B-1728B52AA6E4}">
+                <adec:decorative xmlns:adec="http://schemas.microsoft.com/office/drawing/2017/decorative" val="1"/>
+              </a:ext>
+            </a:extLst>
+          </p:cNvPr>
+          <p:cNvSpPr>
+            <a:spLocks noGrp="1" noRot="1" noChangeAspect="1" noMove="1" noResize="1" noEditPoints="1" noAdjustHandles="1" noChangeArrowheads="1" noChangeShapeType="1" noTextEdit="1"/>
+          </p:cNvSpPr>
+          <p:nvPr>
+            <p:extLst>
+              <p:ext uri="{386F3935-93C4-4BCD-93E2-E3B085C9AB24}">
+                <p16:designElem xmlns:p16="http://schemas.microsoft.com/office/powerpoint/2015/main" val="1"/>
+              </p:ext>
+            </p:extLst>
+          </p:nvPr>
+        </p:nvSpPr>
+        <p:spPr>
+          <a:xfrm>
+            <a:off x="1" y="6400800"/>
+            <a:ext cx="12192000" cy="457200"/>
+          </a:xfrm>
+          <a:prstGeom prst="rect">
+            <a:avLst/>
+          </a:prstGeom>
+          <a:solidFill>
+            <a:schemeClr val="accent2"/>
+          </a:solidFill>
+          <a:ln>
+            <a:noFill/>
+          </a:ln>
+        </p:spPr>
+        <p:style>
+          <a:lnRef idx="2">
+            <a:schemeClr val="accent1">
+              <a:shade val="50000"/>
+            </a:schemeClr>
+          </a:lnRef>
+          <a:fillRef idx="1">
+            <a:schemeClr val="accent1"/>
+          </a:fillRef>
+          <a:effectRef idx="0">
+            <a:schemeClr val="accent1"/>
+          </a:effectRef>
+          <a:fontRef idx="minor">
+            <a:schemeClr val="lt1"/>
+          </a:fontRef>
+        </p:style>
+      </p:sp>
+    </p:spTree>
+    <p:extLst>
+      <p:ext uri="{BB962C8B-B14F-4D97-AF65-F5344CB8AC3E}">
+        <p14:creationId xmlns:p14="http://schemas.microsoft.com/office/powerpoint/2010/main" val="474685732"/>
+      </p:ext>
+    </p:extLst>
+  </p:cSld>
+  <p:clrMapOvr>
+    <a:masterClrMapping/>
+  </p:clrMapOvr>
+</p:sld>
+</file>
+
+<file path=ppt/slides/slide19.xml><?xml version="1.0" encoding="utf-8"?>
 <p:sld xmlns:a="http://schemas.openxmlformats.org/drawingml/2006/main" xmlns:r="http://schemas.openxmlformats.org/officeDocument/2006/relationships" xmlns:p="http://schemas.openxmlformats.org/presentationml/2006/main">
   <p:cSld>
     <p:spTree>
@@ -7368,7 +7696,7 @@
                 <a:latin typeface="Times New Roman" panose="02020603050405020304" pitchFamily="18" charset="0"/>
                 <a:cs typeface="Times New Roman" panose="02020603050405020304" pitchFamily="18" charset="0"/>
               </a:rPr>
-              <a:t>For example: Left SOC WR #1 has a “Go” and is aligned at “WR”, WR #2 has a “Drag” is aligned at “SWR” , WR #3 has a “Dig” and is aligned at “SWR”. Right SOC WR # 1 has a “Drag” is aligned at “SWR”. We would mark this play as a crosser and extract the two drags and the dig while ignoring the “Go”.</a:t>
+              <a:t>For example: Left side of center (SOC) WR #1 has a “Go” and is aligned at “WR”, WR #2 has a “Drag” is aligned at “SWR” , WR #3 has a “Dig” and is aligned at “SWR”. Right SOC WR # 1 has a “Drag” is aligned at “SWR”. We would mark this play as a crosser and extract the two drags and the dig while ignoring the “Go”.</a:t>
             </a:r>
           </a:p>
           <a:p>
@@ -8034,7 +8362,7 @@
           <a:p>
             <a:r>
               <a:rPr lang="en-US" dirty="0"/>
-              <a:t>If we observe the frequency percentage of the same top 25 route combos, we can see that the most often run combos were not called at  very high percent. This tells us that:</a:t>
+              <a:t>If we observe the frequency percentage of the same top 25 route combos, we can see that the most often run combos were not called at a very high percent. This tells us that:</a:t>
             </a:r>
           </a:p>
           <a:p>
@@ -8054,7 +8382,7 @@
             </a:pPr>
             <a:r>
               <a:rPr lang="en-US" dirty="0"/>
-              <a:t>NFL play calling is hard to predict in terms of passing concepts.</a:t>
+              <a:t>NFL play calling is hard to predict in terms of passing combos.</a:t>
             </a:r>
           </a:p>
         </p:txBody>
@@ -8630,7 +8958,12 @@
             <p:ph idx="1"/>
           </p:nvPr>
         </p:nvSpPr>
-        <p:spPr/>
+        <p:spPr>
+          <a:xfrm>
+            <a:off x="436228" y="1820567"/>
+            <a:ext cx="10811731" cy="4023360"/>
+          </a:xfrm>
+        </p:spPr>
         <p:txBody>
           <a:bodyPr/>
           <a:lstStyle/>
@@ -8649,7 +8982,7 @@
                 <a:latin typeface="Times New Roman" panose="02020603050405020304" pitchFamily="18" charset="0"/>
                 <a:cs typeface="Times New Roman" panose="02020603050405020304" pitchFamily="18" charset="0"/>
               </a:rPr>
-              <a:t>That’s a trick questions, each metric tells us something different and in conjunction can answer our questions. </a:t>
+              <a:t>That’s a trick question, each metric tells us something different and in conjunction can answer our questions. </a:t>
             </a:r>
           </a:p>
           <a:p>
@@ -8671,7 +9004,7 @@
                 <a:latin typeface="Times New Roman" panose="02020603050405020304" pitchFamily="18" charset="0"/>
                 <a:cs typeface="Times New Roman" panose="02020603050405020304" pitchFamily="18" charset="0"/>
               </a:rPr>
-              <a:t>Completion Percentage – to evaluate how “easy” it is to complete a pass within the given route combo. </a:t>
+              <a:t>Completion Percentage (CP) – to evaluate how “easy” it is to complete a pass within the given route combo. </a:t>
             </a:r>
           </a:p>
           <a:p>
@@ -8684,7 +9017,7 @@
                 <a:latin typeface="Times New Roman" panose="02020603050405020304" pitchFamily="18" charset="0"/>
                 <a:cs typeface="Times New Roman" panose="02020603050405020304" pitchFamily="18" charset="0"/>
               </a:rPr>
-              <a:t>Expected Points Added – to evaluate how “effective” a route combo is.</a:t>
+              <a:t>Expected Points Added (EPA)  – to evaluate how “effective” a route combo is.</a:t>
             </a:r>
           </a:p>
           <a:p>
@@ -8928,8 +9261,8 @@
           </a:fontRef>
         </p:style>
       </p:cxnSp>
-      <mc:AlternateContent xmlns:mc="http://schemas.openxmlformats.org/markup-compatibility/2006" xmlns:a14="http://schemas.microsoft.com/office/drawing/2010/main">
-        <mc:Choice Requires="a14">
+      <mc:AlternateContent xmlns:mc="http://schemas.openxmlformats.org/markup-compatibility/2006">
+        <mc:Choice xmlns:a14="http://schemas.microsoft.com/office/drawing/2010/main" Requires="a14">
           <p:sp>
             <p:nvSpPr>
               <p:cNvPr id="3" name="Content Placeholder 2">
@@ -9068,7 +9401,7 @@
                     <a:latin typeface="Times New Roman" panose="02020603050405020304" pitchFamily="18" charset="0"/>
                     <a:cs typeface="Times New Roman" panose="02020603050405020304" pitchFamily="18" charset="0"/>
                   </a:rPr>
-                  <a:t>portant factors that influence completion percentage such as air yards, who the QB is and other situation factors.</a:t>
+                  <a:t>portant factors that influence completion percentage such as air yards, who the QB is, and other situational factors.</a:t>
                 </a:r>
                 <a:endParaRPr lang="en-US" b="0" dirty="0">
                   <a:latin typeface="Times New Roman" panose="02020603050405020304" pitchFamily="18" charset="0"/>
@@ -9090,7 +9423,7 @@
                     <a:latin typeface="Times New Roman" panose="02020603050405020304" pitchFamily="18" charset="0"/>
                     <a:cs typeface="Times New Roman" panose="02020603050405020304" pitchFamily="18" charset="0"/>
                   </a:rPr>
-                  <a:t>The Bayesian aspect of this is that I estimated a given QB’s completion percentage via empirical bayes beta binomial regression (so that QB’s with very few attempts were shrunk to the average completion percentage, thus not distorting the model).</a:t>
+                  <a:t>The Bayesian aspect of this is that I estimated a given QB’s completion percentage via empirical bayes (EB) beta binomial regression (so that QB’s with very few attempts were shrunk to the average completion percentage, thus not distorting the model).</a:t>
                 </a:r>
               </a:p>
               <a:p>
@@ -9114,7 +9447,7 @@
             </p:txBody>
           </p:sp>
         </mc:Choice>
-        <mc:Fallback xmlns="">
+        <mc:Fallback>
           <p:sp>
             <p:nvSpPr>
               <p:cNvPr id="3" name="Content Placeholder 2">
